--- a/Presentation.pptx
+++ b/Presentation.pptx
@@ -7859,19 +7859,7 @@
             <a:rPr lang="en-US">
               <a:cs typeface="Calibri Light"/>
             </a:rPr>
-            <a:t>Prizes(Amazon </a:t>
-          </a:r>
-          <a:r>
-            <a:rPr lang="en-US" err="1">
-              <a:cs typeface="Calibri Light"/>
-            </a:rPr>
-            <a:t>Echos</a:t>
-          </a:r>
-          <a:r>
-            <a:rPr lang="en-US">
-              <a:cs typeface="Calibri Light"/>
-            </a:rPr>
-            <a:t>, £30/£20 Amazon Vouchers)</a:t>
+            <a:t>Prizes(Amazon Echo Dots, £30/£20 Amazon Vouchers)</a:t>
           </a:r>
           <a:endParaRPr lang="en-US"/>
         </a:p>
@@ -11353,19 +11341,7 @@
             <a:rPr lang="en-US" sz="2400" kern="1200">
               <a:cs typeface="Calibri Light"/>
             </a:rPr>
-            <a:t>Prizes(Amazon </a:t>
-          </a:r>
-          <a:r>
-            <a:rPr lang="en-US" sz="2400" kern="1200" err="1">
-              <a:cs typeface="Calibri Light"/>
-            </a:rPr>
-            <a:t>Echos</a:t>
-          </a:r>
-          <a:r>
-            <a:rPr lang="en-US" sz="2400" kern="1200">
-              <a:cs typeface="Calibri Light"/>
-            </a:rPr>
-            <a:t>, £30/£20 Amazon Vouchers)</a:t>
+            <a:t>Prizes(Amazon Echo Dots, £30/£20 Amazon Vouchers)</a:t>
           </a:r>
           <a:endParaRPr lang="en-US" sz="2400" kern="1200"/>
         </a:p>
@@ -33507,7 +33483,7 @@
           <a:p>
             <a:fld id="{846CE7D5-CF57-46EF-B807-FDD0502418D4}" type="datetimeFigureOut">
               <a:rPr lang="en-US" smtClean="0"/>
-              <a:t>2/19/2018</a:t>
+              <a:t>2/21/2018</a:t>
             </a:fld>
             <a:endParaRPr lang="en-US"/>
           </a:p>
@@ -33675,7 +33651,7 @@
           <a:p>
             <a:fld id="{846CE7D5-CF57-46EF-B807-FDD0502418D4}" type="datetimeFigureOut">
               <a:rPr lang="en-US" smtClean="0"/>
-              <a:t>2/19/2018</a:t>
+              <a:t>2/21/2018</a:t>
             </a:fld>
             <a:endParaRPr lang="en-US"/>
           </a:p>
@@ -33853,7 +33829,7 @@
           <a:p>
             <a:fld id="{846CE7D5-CF57-46EF-B807-FDD0502418D4}" type="datetimeFigureOut">
               <a:rPr lang="en-US" smtClean="0"/>
-              <a:t>2/19/2018</a:t>
+              <a:t>2/21/2018</a:t>
             </a:fld>
             <a:endParaRPr lang="en-US"/>
           </a:p>
@@ -34021,7 +33997,7 @@
           <a:p>
             <a:fld id="{846CE7D5-CF57-46EF-B807-FDD0502418D4}" type="datetimeFigureOut">
               <a:rPr lang="en-US" smtClean="0"/>
-              <a:t>2/19/2018</a:t>
+              <a:t>2/21/2018</a:t>
             </a:fld>
             <a:endParaRPr lang="en-US"/>
           </a:p>
@@ -34266,7 +34242,7 @@
           <a:p>
             <a:fld id="{846CE7D5-CF57-46EF-B807-FDD0502418D4}" type="datetimeFigureOut">
               <a:rPr lang="en-US" smtClean="0"/>
-              <a:t>2/19/2018</a:t>
+              <a:t>2/21/2018</a:t>
             </a:fld>
             <a:endParaRPr lang="en-US"/>
           </a:p>
@@ -34495,7 +34471,7 @@
           <a:p>
             <a:fld id="{846CE7D5-CF57-46EF-B807-FDD0502418D4}" type="datetimeFigureOut">
               <a:rPr lang="en-US" smtClean="0"/>
-              <a:t>2/19/2018</a:t>
+              <a:t>2/21/2018</a:t>
             </a:fld>
             <a:endParaRPr lang="en-US"/>
           </a:p>
@@ -34859,7 +34835,7 @@
           <a:p>
             <a:fld id="{846CE7D5-CF57-46EF-B807-FDD0502418D4}" type="datetimeFigureOut">
               <a:rPr lang="en-US" smtClean="0"/>
-              <a:t>2/19/2018</a:t>
+              <a:t>2/21/2018</a:t>
             </a:fld>
             <a:endParaRPr lang="en-US"/>
           </a:p>
@@ -34976,7 +34952,7 @@
           <a:p>
             <a:fld id="{846CE7D5-CF57-46EF-B807-FDD0502418D4}" type="datetimeFigureOut">
               <a:rPr lang="en-US" smtClean="0"/>
-              <a:t>2/19/2018</a:t>
+              <a:t>2/21/2018</a:t>
             </a:fld>
             <a:endParaRPr lang="en-US"/>
           </a:p>
@@ -35071,7 +35047,7 @@
           <a:p>
             <a:fld id="{846CE7D5-CF57-46EF-B807-FDD0502418D4}" type="datetimeFigureOut">
               <a:rPr lang="en-US" smtClean="0"/>
-              <a:t>2/19/2018</a:t>
+              <a:t>2/21/2018</a:t>
             </a:fld>
             <a:endParaRPr lang="en-US"/>
           </a:p>
@@ -35346,7 +35322,7 @@
           <a:p>
             <a:fld id="{846CE7D5-CF57-46EF-B807-FDD0502418D4}" type="datetimeFigureOut">
               <a:rPr lang="en-US" smtClean="0"/>
-              <a:t>2/19/2018</a:t>
+              <a:t>2/21/2018</a:t>
             </a:fld>
             <a:endParaRPr lang="en-US"/>
           </a:p>
@@ -35601,7 +35577,7 @@
           <a:p>
             <a:fld id="{846CE7D5-CF57-46EF-B807-FDD0502418D4}" type="datetimeFigureOut">
               <a:rPr lang="en-US" smtClean="0"/>
-              <a:t>2/19/2018</a:t>
+              <a:t>2/21/2018</a:t>
             </a:fld>
             <a:endParaRPr lang="en-US"/>
           </a:p>
@@ -35812,7 +35788,7 @@
           <a:p>
             <a:fld id="{846CE7D5-CF57-46EF-B807-FDD0502418D4}" type="datetimeFigureOut">
               <a:rPr lang="en-US" smtClean="0"/>
-              <a:t>2/19/2018</a:t>
+              <a:t>2/21/2018</a:t>
             </a:fld>
             <a:endParaRPr lang="en-US"/>
           </a:p>
@@ -38421,7 +38397,7 @@
           <p:nvPr>
             <p:extLst>
               <p:ext uri="{D42A27DB-BD31-4B8C-83A1-F6EECF244321}">
-                <p14:modId xmlns:p14="http://schemas.microsoft.com/office/powerpoint/2010/main" val="3375689370"/>
+                <p14:modId xmlns:p14="http://schemas.microsoft.com/office/powerpoint/2010/main" val="3644630567"/>
               </p:ext>
             </p:extLst>
           </p:nvPr>
